--- a/Singleton.pptx
+++ b/Singleton.pptx
@@ -3998,9 +3998,91 @@
               <a:rPr lang="en-US" dirty="0">
                 <a:hlinkClick r:id="rId2"/>
               </a:rPr>
-              <a:t>https://habr.com/ru/post/103681/</a:t>
+              <a:t>https</a:t>
+            </a:r>
+            <a:r>
+              <a:rPr lang="en-US" dirty="0" smtClean="0">
+                <a:hlinkClick r:id="rId2"/>
+              </a:rPr>
+              <a:t>://habr.com/ru/post/103681</a:t>
+            </a:r>
+            <a:r>
+              <a:rPr lang="en-US" dirty="0">
+                <a:hlinkClick r:id="rId2"/>
+              </a:rPr>
+              <a:t>/</a:t>
             </a:r>
             <a:endParaRPr lang="ru-RU" dirty="0"/>
+          </a:p>
+        </p:txBody>
+      </p:sp>
+      <p:sp>
+        <p:nvSpPr>
+          <p:cNvPr id="6" name="Rectangle 5"/>
+          <p:cNvSpPr/>
+          <p:nvPr/>
+        </p:nvSpPr>
+        <p:spPr>
+          <a:xfrm>
+            <a:off x="1043608" y="4293096"/>
+            <a:ext cx="6400800" cy="369332"/>
+          </a:xfrm>
+          <a:prstGeom prst="rect">
+            <a:avLst/>
+          </a:prstGeom>
+        </p:spPr>
+        <p:txBody>
+          <a:bodyPr wrap="square">
+            <a:spAutoFit/>
+          </a:bodyPr>
+          <a:lstStyle/>
+          <a:p>
+            <a:r>
+              <a:rPr lang="en-US" dirty="0" smtClean="0">
+                <a:hlinkClick r:id="rId3"/>
+              </a:rPr>
+              <a:t>https</a:t>
+            </a:r>
+            <a:r>
+              <a:rPr lang="en-US" dirty="0">
+                <a:hlinkClick r:id="rId3"/>
+              </a:rPr>
+              <a:t>://github.com/AlexB1993/core_course_doc</a:t>
+            </a:r>
+            <a:endParaRPr lang="ru-RU" dirty="0"/>
+          </a:p>
+        </p:txBody>
+      </p:sp>
+      <p:sp>
+        <p:nvSpPr>
+          <p:cNvPr id="7" name="TextBox 6"/>
+          <p:cNvSpPr txBox="1"/>
+          <p:nvPr/>
+        </p:nvSpPr>
+        <p:spPr>
+          <a:xfrm>
+            <a:off x="1019514" y="3402648"/>
+            <a:ext cx="2315057" cy="707886"/>
+          </a:xfrm>
+          <a:prstGeom prst="rect">
+            <a:avLst/>
+          </a:prstGeom>
+          <a:noFill/>
+        </p:spPr>
+        <p:txBody>
+          <a:bodyPr wrap="none" rtlCol="0">
+            <a:spAutoFit/>
+          </a:bodyPr>
+          <a:lstStyle/>
+          <a:p>
+            <a:r>
+              <a:rPr lang="ru-RU" sz="4000" dirty="0" smtClean="0"/>
+              <a:t>Примеры</a:t>
+            </a:r>
+            <a:r>
+              <a:rPr lang="ru-RU" dirty="0" smtClean="0"/>
+              <a:t> </a:t>
+            </a:r>
           </a:p>
         </p:txBody>
       </p:sp>
